--- a/FRDISI (1).pptx
+++ b/FRDISI (1).pptx
@@ -23,11 +23,20 @@
   <p:notesSz cx="6858000" cy="9144000"/>
   <p:embeddedFontLst>
     <p:embeddedFont>
-      <p:font typeface="Georgia" panose="02040502050405020303" pitchFamily="18" charset="0"/>
+      <p:font typeface="Regular Brush" panose="020B0604020202020204" charset="0"/>
       <p:regular r:id="rId13"/>
-      <p:bold r:id="rId14"/>
-      <p:italic r:id="rId15"/>
-      <p:boldItalic r:id="rId16"/>
+    </p:embeddedFont>
+    <p:embeddedFont>
+      <p:font typeface="Garinim Shehorim" panose="020B0604020202020204" charset="-79"/>
+      <p:regular r:id="rId14"/>
+    </p:embeddedFont>
+    <p:embeddedFont>
+      <p:font typeface="TT Firs Neue Bold" panose="020B0604020202020204" charset="0"/>
+      <p:regular r:id="rId15"/>
+    </p:embeddedFont>
+    <p:embeddedFont>
+      <p:font typeface="MV Boli" panose="02000500030200090000" pitchFamily="2" charset="0"/>
+      <p:regular r:id="rId16"/>
     </p:embeddedFont>
     <p:embeddedFont>
       <p:font typeface="Calibri" panose="020F0502020204030204" pitchFamily="34" charset="0"/>
@@ -37,45 +46,36 @@
       <p:boldItalic r:id="rId20"/>
     </p:embeddedFont>
     <p:embeddedFont>
-      <p:font typeface="Cambria" panose="02040503050406030204" pitchFamily="18" charset="0"/>
+      <p:font typeface="Century Gothic" panose="020B0502020202020204" pitchFamily="34" charset="0"/>
       <p:regular r:id="rId21"/>
       <p:bold r:id="rId22"/>
       <p:italic r:id="rId23"/>
       <p:boldItalic r:id="rId24"/>
     </p:embeddedFont>
     <p:embeddedFont>
-      <p:font typeface="Heading Now 71-78" panose="020B0604020202020204" charset="0"/>
+      <p:font typeface="TT Firs Neue" panose="020B0604020202020204" charset="0"/>
       <p:regular r:id="rId25"/>
     </p:embeddedFont>
     <p:embeddedFont>
-      <p:font typeface="Segoe UI" panose="020B0502040204020203" pitchFamily="34" charset="0"/>
+      <p:font typeface="Georgia" panose="02040502050405020303" pitchFamily="18" charset="0"/>
       <p:regular r:id="rId26"/>
       <p:bold r:id="rId27"/>
       <p:italic r:id="rId28"/>
       <p:boldItalic r:id="rId29"/>
     </p:embeddedFont>
     <p:embeddedFont>
-      <p:font typeface="TT Firs Neue" panose="020B0604020202020204" charset="0"/>
+      <p:font typeface="Heading Now 71-78" panose="020B0604020202020204" charset="0"/>
       <p:regular r:id="rId30"/>
     </p:embeddedFont>
     <p:embeddedFont>
-      <p:font typeface="TT Firs Neue Bold" panose="020B0604020202020204" charset="0"/>
+      <p:font typeface="Cambria" panose="02040503050406030204" pitchFamily="18" charset="0"/>
       <p:regular r:id="rId31"/>
+      <p:bold r:id="rId32"/>
+      <p:italic r:id="rId33"/>
+      <p:boldItalic r:id="rId34"/>
     </p:embeddedFont>
     <p:embeddedFont>
-      <p:font typeface="MV Boli" panose="02000500030200090000" pitchFamily="2" charset="0"/>
-      <p:regular r:id="rId32"/>
-    </p:embeddedFont>
-    <p:embeddedFont>
-      <p:font typeface="Garinim Shehorim" panose="020B0604020202020204" charset="-79"/>
-      <p:regular r:id="rId33"/>
-    </p:embeddedFont>
-    <p:embeddedFont>
-      <p:font typeface="Regular Brush" panose="020B0604020202020204" charset="0"/>
-      <p:regular r:id="rId34"/>
-    </p:embeddedFont>
-    <p:embeddedFont>
-      <p:font typeface="Century Gothic" panose="020B0502020202020204" pitchFamily="34" charset="0"/>
+      <p:font typeface="Segoe UI" panose="020B0502040204020203" pitchFamily="34" charset="0"/>
       <p:regular r:id="rId35"/>
       <p:bold r:id="rId36"/>
       <p:italic r:id="rId37"/>
@@ -1649,7 +1649,7 @@
     <a:masterClrMapping/>
   </p:clrMapOvr>
   <mc:AlternateContent xmlns:mc="http://schemas.openxmlformats.org/markup-compatibility/2006">
-    <mc:Choice xmlns:p159="http://schemas.microsoft.com/office/powerpoint/2015/09/main" xmlns="" Requires="p159">
+    <mc:Choice xmlns="" xmlns:p159="http://schemas.microsoft.com/office/powerpoint/2015/09/main" Requires="p159">
       <p:transition xmlns:p14="http://schemas.microsoft.com/office/powerpoint/2010/main" spd="slow" p14:dur="2000" advClick="0">
         <p159:morph option="byObject"/>
       </p:transition>
@@ -7958,7 +7958,7 @@
                 <a14:useLocalDpi xmlns:a14="http://schemas.microsoft.com/office/drawing/2010/main" val="0"/>
               </a:ext>
               <a:ext uri="{96DAC541-7B7A-43D3-8B79-37D633B846F1}">
-                <asvg:svgBlip xmlns="" xmlns:asvg="http://schemas.microsoft.com/office/drawing/2016/SVG/main" r:embed="rId10"/>
+                <asvg:svgBlip xmlns:asvg="http://schemas.microsoft.com/office/drawing/2016/SVG/main" xmlns="" r:embed="rId10"/>
               </a:ext>
             </a:extLst>
           </a:blip>
@@ -9453,7 +9453,7 @@
     <a:masterClrMapping/>
   </p:clrMapOvr>
   <mc:AlternateContent xmlns:mc="http://schemas.openxmlformats.org/markup-compatibility/2006">
-    <mc:Choice xmlns:p159="http://schemas.microsoft.com/office/powerpoint/2015/09/main" xmlns="" Requires="p159">
+    <mc:Choice xmlns="" xmlns:p159="http://schemas.microsoft.com/office/powerpoint/2015/09/main" Requires="p159">
       <p:transition xmlns:p14="http://schemas.microsoft.com/office/powerpoint/2010/main" spd="slow" p14:dur="2000" advClick="0">
         <p159:morph option="byObject"/>
       </p:transition>
@@ -14335,19 +14335,7 @@
                   <a:cs typeface="TT Firs Neue Bold"/>
                   <a:sym typeface="TT Firs Neue Bold"/>
                 </a:rPr>
-                <a:t>Article </a:t>
-              </a:r>
-              <a:r>
-                <a:rPr lang="en-US" sz="2000" b="1" dirty="0">
-                  <a:solidFill>
-                    <a:srgbClr val="000000"/>
-                  </a:solidFill>
-                  <a:latin typeface="TT Firs Neue Bold"/>
-                  <a:ea typeface="TT Firs Neue Bold"/>
-                  <a:cs typeface="TT Firs Neue Bold"/>
-                  <a:sym typeface="TT Firs Neue Bold"/>
-                </a:rPr>
-                <a:t>3</a:t>
+                <a:t>Article 3</a:t>
               </a:r>
               <a:r>
                 <a:rPr lang="en-US" sz="2000" b="1" dirty="0" smtClean="0">
@@ -15625,6 +15613,35 @@
               <a:t>4</a:t>
             </a:r>
             <a:endParaRPr lang="fr-FR" sz="3600" b="1" dirty="0"/>
+          </a:p>
+        </p:txBody>
+      </p:sp>
+      <p:sp>
+        <p:nvSpPr>
+          <p:cNvPr id="9" name="Rectangle 8"/>
+          <p:cNvSpPr/>
+          <p:nvPr/>
+        </p:nvSpPr>
+        <p:spPr>
+          <a:xfrm>
+            <a:off x="10744200" y="9258300"/>
+            <a:ext cx="2477858" cy="369332"/>
+          </a:xfrm>
+          <a:prstGeom prst="rect">
+            <a:avLst/>
+          </a:prstGeom>
+        </p:spPr>
+        <p:txBody>
+          <a:bodyPr wrap="none">
+            <a:spAutoFit/>
+          </a:bodyPr>
+          <a:lstStyle/>
+          <a:p>
+            <a:r>
+              <a:rPr lang="en-US" b="1" dirty="0"/>
+              <a:t>Submitted on 4 Jul 2025</a:t>
+            </a:r>
+            <a:endParaRPr lang="fr-FR" b="1" dirty="0"/>
           </a:p>
         </p:txBody>
       </p:sp>

--- a/FRDISI (1).pptx
+++ b/FRDISI (1).pptx
@@ -14840,7 +14840,31 @@
                   <a:cs typeface="TT Firs Neue"/>
                   <a:sym typeface="TT Firs Neue"/>
                 </a:rPr>
-                <a:t> sur YOLOv8 </a:t>
+                <a:t> sur </a:t>
+              </a:r>
+              <a:r>
+                <a:rPr lang="en-US" sz="2000" dirty="0">
+                  <a:solidFill>
+                    <a:srgbClr val="FF0000"/>
+                  </a:solidFill>
+                  <a:latin typeface="TT Firs Neue"/>
+                  <a:ea typeface="TT Firs Neue"/>
+                  <a:cs typeface="TT Firs Neue"/>
+                  <a:sym typeface="TT Firs Neue"/>
+                </a:rPr>
+                <a:t>YOLOv8</a:t>
+              </a:r>
+              <a:r>
+                <a:rPr lang="en-US" sz="2000" dirty="0">
+                  <a:solidFill>
+                    <a:srgbClr val="000000"/>
+                  </a:solidFill>
+                  <a:latin typeface="TT Firs Neue"/>
+                  <a:ea typeface="TT Firs Neue"/>
+                  <a:cs typeface="TT Firs Neue"/>
+                  <a:sym typeface="TT Firs Neue"/>
+                </a:rPr>
+                <a:t> </a:t>
               </a:r>
               <a:r>
                 <a:rPr lang="en-US" sz="2000" dirty="0" err="1">
@@ -15090,7 +15114,31 @@
                   <a:cs typeface="TT Firs Neue"/>
                   <a:sym typeface="TT Firs Neue"/>
                 </a:rPr>
-                <a:t> (≥30 FPS à 160 km/h).</a:t>
+                <a:t> (≥30 FPS à </a:t>
+              </a:r>
+              <a:r>
+                <a:rPr lang="en-US" sz="2000" dirty="0">
+                  <a:solidFill>
+                    <a:srgbClr val="FF0000"/>
+                  </a:solidFill>
+                  <a:latin typeface="TT Firs Neue"/>
+                  <a:ea typeface="TT Firs Neue"/>
+                  <a:cs typeface="TT Firs Neue"/>
+                  <a:sym typeface="TT Firs Neue"/>
+                </a:rPr>
+                <a:t>160</a:t>
+              </a:r>
+              <a:r>
+                <a:rPr lang="en-US" sz="2000" dirty="0">
+                  <a:solidFill>
+                    <a:srgbClr val="000000"/>
+                  </a:solidFill>
+                  <a:latin typeface="TT Firs Neue"/>
+                  <a:ea typeface="TT Firs Neue"/>
+                  <a:cs typeface="TT Firs Neue"/>
+                  <a:sym typeface="TT Firs Neue"/>
+                </a:rPr>
+                <a:t> km/h).</a:t>
               </a:r>
             </a:p>
             <a:p>
